--- a/stopwatch-2/diagram/diagram.pptx
+++ b/stopwatch-2/diagram/diagram.pptx
@@ -5,7 +5,7 @@
     <p:sldMasterId id="2147483648" r:id="rId1"/>
   </p:sldMasterIdLst>
   <p:sldIdLst>
-    <p:sldId id="258" r:id="rId2"/>
+    <p:sldId id="260" r:id="rId2"/>
     <p:sldId id="259" r:id="rId3"/>
   </p:sldIdLst>
   <p:sldSz cx="12192000" cy="6858000"/>
@@ -244,7 +244,7 @@
           <a:p>
             <a:fld id="{E9295CEE-D356-4163-B8F7-F3B96C261880}" type="datetimeFigureOut">
               <a:rPr kumimoji="1" lang="ja-JP" altLang="en-US" smtClean="0"/>
-              <a:t>2022/5/5</a:t>
+              <a:t>2022/5/6</a:t>
             </a:fld>
             <a:endParaRPr kumimoji="1" lang="ja-JP" altLang="en-US"/>
           </a:p>
@@ -446,7 +446,7 @@
           <a:p>
             <a:fld id="{E9295CEE-D356-4163-B8F7-F3B96C261880}" type="datetimeFigureOut">
               <a:rPr kumimoji="1" lang="ja-JP" altLang="en-US" smtClean="0"/>
-              <a:t>2022/5/5</a:t>
+              <a:t>2022/5/6</a:t>
             </a:fld>
             <a:endParaRPr kumimoji="1" lang="ja-JP" altLang="en-US"/>
           </a:p>
@@ -658,7 +658,7 @@
           <a:p>
             <a:fld id="{E9295CEE-D356-4163-B8F7-F3B96C261880}" type="datetimeFigureOut">
               <a:rPr kumimoji="1" lang="ja-JP" altLang="en-US" smtClean="0"/>
-              <a:t>2022/5/5</a:t>
+              <a:t>2022/5/6</a:t>
             </a:fld>
             <a:endParaRPr kumimoji="1" lang="ja-JP" altLang="en-US"/>
           </a:p>
@@ -860,7 +860,7 @@
           <a:p>
             <a:fld id="{E9295CEE-D356-4163-B8F7-F3B96C261880}" type="datetimeFigureOut">
               <a:rPr kumimoji="1" lang="ja-JP" altLang="en-US" smtClean="0"/>
-              <a:t>2022/5/5</a:t>
+              <a:t>2022/5/6</a:t>
             </a:fld>
             <a:endParaRPr kumimoji="1" lang="ja-JP" altLang="en-US"/>
           </a:p>
@@ -1106,7 +1106,7 @@
           <a:p>
             <a:fld id="{E9295CEE-D356-4163-B8F7-F3B96C261880}" type="datetimeFigureOut">
               <a:rPr kumimoji="1" lang="ja-JP" altLang="en-US" smtClean="0"/>
-              <a:t>2022/5/5</a:t>
+              <a:t>2022/5/6</a:t>
             </a:fld>
             <a:endParaRPr kumimoji="1" lang="ja-JP" altLang="en-US"/>
           </a:p>
@@ -1402,7 +1402,7 @@
           <a:p>
             <a:fld id="{E9295CEE-D356-4163-B8F7-F3B96C261880}" type="datetimeFigureOut">
               <a:rPr kumimoji="1" lang="ja-JP" altLang="en-US" smtClean="0"/>
-              <a:t>2022/5/5</a:t>
+              <a:t>2022/5/6</a:t>
             </a:fld>
             <a:endParaRPr kumimoji="1" lang="ja-JP" altLang="en-US"/>
           </a:p>
@@ -1833,7 +1833,7 @@
           <a:p>
             <a:fld id="{E9295CEE-D356-4163-B8F7-F3B96C261880}" type="datetimeFigureOut">
               <a:rPr kumimoji="1" lang="ja-JP" altLang="en-US" smtClean="0"/>
-              <a:t>2022/5/5</a:t>
+              <a:t>2022/5/6</a:t>
             </a:fld>
             <a:endParaRPr kumimoji="1" lang="ja-JP" altLang="en-US"/>
           </a:p>
@@ -1951,7 +1951,7 @@
           <a:p>
             <a:fld id="{E9295CEE-D356-4163-B8F7-F3B96C261880}" type="datetimeFigureOut">
               <a:rPr kumimoji="1" lang="ja-JP" altLang="en-US" smtClean="0"/>
-              <a:t>2022/5/5</a:t>
+              <a:t>2022/5/6</a:t>
             </a:fld>
             <a:endParaRPr kumimoji="1" lang="ja-JP" altLang="en-US"/>
           </a:p>
@@ -2046,7 +2046,7 @@
           <a:p>
             <a:fld id="{E9295CEE-D356-4163-B8F7-F3B96C261880}" type="datetimeFigureOut">
               <a:rPr kumimoji="1" lang="ja-JP" altLang="en-US" smtClean="0"/>
-              <a:t>2022/5/5</a:t>
+              <a:t>2022/5/6</a:t>
             </a:fld>
             <a:endParaRPr kumimoji="1" lang="ja-JP" altLang="en-US"/>
           </a:p>
@@ -2355,7 +2355,7 @@
           <a:p>
             <a:fld id="{E9295CEE-D356-4163-B8F7-F3B96C261880}" type="datetimeFigureOut">
               <a:rPr kumimoji="1" lang="ja-JP" altLang="en-US" smtClean="0"/>
-              <a:t>2022/5/5</a:t>
+              <a:t>2022/5/6</a:t>
             </a:fld>
             <a:endParaRPr kumimoji="1" lang="ja-JP" altLang="en-US"/>
           </a:p>
@@ -2608,7 +2608,7 @@
           <a:p>
             <a:fld id="{E9295CEE-D356-4163-B8F7-F3B96C261880}" type="datetimeFigureOut">
               <a:rPr kumimoji="1" lang="ja-JP" altLang="en-US" smtClean="0"/>
-              <a:t>2022/5/5</a:t>
+              <a:t>2022/5/6</a:t>
             </a:fld>
             <a:endParaRPr kumimoji="1" lang="ja-JP" altLang="en-US"/>
           </a:p>
@@ -2853,7 +2853,7 @@
           <a:p>
             <a:fld id="{E9295CEE-D356-4163-B8F7-F3B96C261880}" type="datetimeFigureOut">
               <a:rPr kumimoji="1" lang="ja-JP" altLang="en-US" smtClean="0"/>
-              <a:t>2022/5/5</a:t>
+              <a:t>2022/5/6</a:t>
             </a:fld>
             <a:endParaRPr kumimoji="1" lang="ja-JP" altLang="en-US"/>
           </a:p>
@@ -3781,10 +3781,80 @@
           </p:style>
         </p:cxnSp>
       </p:grpSp>
+      <p:cxnSp>
+        <p:nvCxnSpPr>
+          <p:cNvPr id="19" name="直線コネクタ 18"/>
+          <p:cNvCxnSpPr/>
+          <p:nvPr/>
+        </p:nvCxnSpPr>
+        <p:spPr>
+          <a:xfrm flipV="1">
+            <a:off x="11294725" y="3504814"/>
+            <a:ext cx="0" cy="1187879"/>
+          </a:xfrm>
+          <a:prstGeom prst="line">
+            <a:avLst/>
+          </a:prstGeom>
+          <a:ln w="57150">
+            <a:solidFill>
+              <a:srgbClr val="C00000"/>
+            </a:solidFill>
+          </a:ln>
+        </p:spPr>
+        <p:style>
+          <a:lnRef idx="1">
+            <a:schemeClr val="accent6"/>
+          </a:lnRef>
+          <a:fillRef idx="0">
+            <a:schemeClr val="accent6"/>
+          </a:fillRef>
+          <a:effectRef idx="0">
+            <a:schemeClr val="accent6"/>
+          </a:effectRef>
+          <a:fontRef idx="minor">
+            <a:schemeClr val="tx1"/>
+          </a:fontRef>
+        </p:style>
+      </p:cxnSp>
+      <p:cxnSp>
+        <p:nvCxnSpPr>
+          <p:cNvPr id="22" name="直線コネクタ 21"/>
+          <p:cNvCxnSpPr/>
+          <p:nvPr/>
+        </p:nvCxnSpPr>
+        <p:spPr>
+          <a:xfrm flipV="1">
+            <a:off x="10243165" y="3504815"/>
+            <a:ext cx="0" cy="1341119"/>
+          </a:xfrm>
+          <a:prstGeom prst="line">
+            <a:avLst/>
+          </a:prstGeom>
+          <a:ln w="57150">
+            <a:solidFill>
+              <a:schemeClr val="tx1"/>
+            </a:solidFill>
+          </a:ln>
+        </p:spPr>
+        <p:style>
+          <a:lnRef idx="1">
+            <a:schemeClr val="accent6"/>
+          </a:lnRef>
+          <a:fillRef idx="0">
+            <a:schemeClr val="accent6"/>
+          </a:fillRef>
+          <a:effectRef idx="0">
+            <a:schemeClr val="accent6"/>
+          </a:effectRef>
+          <a:fontRef idx="minor">
+            <a:schemeClr val="tx1"/>
+          </a:fontRef>
+        </p:style>
+      </p:cxnSp>
     </p:spTree>
     <p:extLst>
       <p:ext uri="{BB962C8B-B14F-4D97-AF65-F5344CB8AC3E}">
-        <p14:creationId xmlns:p14="http://schemas.microsoft.com/office/powerpoint/2010/main" val="784386859"/>
+        <p14:creationId xmlns:p14="http://schemas.microsoft.com/office/powerpoint/2010/main" val="3760285217"/>
       </p:ext>
     </p:extLst>
   </p:cSld>
